--- a/Entregable 1/PGPROG_V0.2_2018.pptx
+++ b/Entregable 1/PGPROG_V0.2_2018.pptx
@@ -9863,7 +9863,7 @@
         </p:nvGraphicFramePr>
         <p:xfrm>
           <a:off x="416560" y="1923028"/>
-          <a:ext cx="8356599" cy="4068529"/>
+          <a:ext cx="8356599" cy="4082816"/>
         </p:xfrm>
         <a:graphic>
           <a:graphicData uri="http://schemas.openxmlformats.org/drawingml/2006/table">
@@ -17415,22 +17415,12 @@
           <a:p>
             <a:pPr algn="l" eaLnBrk="1" hangingPunct="1"/>
             <a:r>
-              <a:rPr lang="es-PE" altLang="es-ES" sz="1200" b="1" dirty="0"/>
-              <a:t>- Exposición al riesgo</a:t>
+              <a:rPr lang="es-PE" altLang="es-ES" sz="1200" b="1" smtClean="0"/>
+              <a:t>- </a:t>
             </a:r>
-          </a:p>
-          <a:p>
-            <a:pPr algn="l" eaLnBrk="1" hangingPunct="1"/>
             <a:r>
               <a:rPr lang="es-PE" altLang="es-ES" sz="1200" b="1" dirty="0"/>
-              <a:t>- Ratio de Performance en Costo</a:t>
-            </a:r>
-          </a:p>
-          <a:p>
-            <a:pPr algn="l" eaLnBrk="1" hangingPunct="1"/>
-            <a:r>
-              <a:rPr lang="es-PE" altLang="es-ES" sz="1200" b="1" dirty="0"/>
-              <a:t>- Desviación del Avance</a:t>
+              <a:t>Desviación del Avance</a:t>
             </a:r>
             <a:endParaRPr lang="es-ES" altLang="es-ES" sz="1200" b="1" dirty="0"/>
           </a:p>
